--- a/presentations/lecture-presentation-template.pptx
+++ b/presentations/lecture-presentation-template.pptx
@@ -12,6 +12,9 @@
     <p:sldId id="260" r:id="rId6"/>
     <p:sldId id="261" r:id="rId7"/>
     <p:sldId id="262" r:id="rId8"/>
+    <p:sldId id="263" r:id="rId9"/>
+    <p:sldId id="264" r:id="rId10"/>
+    <p:sldId id="265" r:id="rId11"/>
   </p:sldIdLst>
   <p:sldSz cx="9144000" cy="6858000" type="screen4x3"/>
   <p:notesSz cx="6858000" cy="9144000"/>
@@ -3235,7 +3238,179 @@
             </a:pPr>
             <a:r>
               <a:rPr/>
-              <a:t>2019-09-12</a:t>
+              <a:t>2019-09-17</a:t>
+            </a:r>
+          </a:p>
+        </p:txBody>
+      </p:sp>
+    </p:spTree>
+  </p:cSld>
+</p:sld>
+</file>
+
+<file path=ppt/slides/slide10.xml><?xml version="1.0" encoding="utf-8"?>
+<p:sld xmlns:a="http://schemas.openxmlformats.org/drawingml/2006/main" xmlns:r="http://schemas.openxmlformats.org/officeDocument/2006/relationships" xmlns:p="http://schemas.openxmlformats.org/presentationml/2006/main">
+  <p:cSld>
+    <p:spTree>
+      <p:nvGrpSpPr>
+        <p:cNvPr id="1" name=""/>
+        <p:cNvGrpSpPr/>
+        <p:nvPr/>
+      </p:nvGrpSpPr>
+      <p:grpSpPr>
+        <a:xfrm>
+          <a:off x="0" y="0"/>
+          <a:ext cx="0" cy="0"/>
+          <a:chOff x="0" y="0"/>
+          <a:chExt cx="0" cy="0"/>
+        </a:xfrm>
+      </p:grpSpPr>
+      <p:sp>
+        <p:nvSpPr>
+          <p:cNvPr id="2" name="Title 1"/>
+          <p:cNvSpPr>
+            <a:spLocks noGrp="1"/>
+          </p:cNvSpPr>
+          <p:nvPr>
+            <p:ph type="title"/>
+          </p:nvPr>
+        </p:nvSpPr>
+        <p:spPr/>
+        <p:txBody>
+          <a:bodyPr/>
+          <a:lstStyle/>
+          <a:p>
+            <a:pPr lvl="0" marL="0" indent="0">
+              <a:buNone/>
+            </a:pPr>
+            <a:r>
+              <a:rPr/>
+              <a:t>Helpful</a:t>
+            </a:r>
+            <a:r>
+              <a:rPr/>
+              <a:t> </a:t>
+            </a:r>
+            <a:r>
+              <a:rPr/>
+              <a:t>things</a:t>
+            </a:r>
+          </a:p>
+        </p:txBody>
+      </p:sp>
+      <p:sp>
+        <p:nvSpPr>
+          <p:cNvPr id="3" name="Content Placeholder 2"/>
+          <p:cNvSpPr>
+            <a:spLocks noGrp="1"/>
+          </p:cNvSpPr>
+          <p:nvPr>
+            <p:ph idx="1"/>
+          </p:nvPr>
+        </p:nvSpPr>
+        <p:spPr/>
+        <p:txBody>
+          <a:bodyPr/>
+          <a:lstStyle/>
+          <a:p>
+            <a:pPr lvl="0" marL="0" indent="0">
+              <a:buNone/>
+            </a:pPr>
+            <a:r>
+              <a:rPr/>
+              <a:t>I’ve put a very old seminar I did on ggplot in the presentations folder</a:t>
+            </a:r>
+          </a:p>
+          <a:p>
+            <a:pPr lvl="0" marL="0" indent="0">
+              <a:buNone/>
+            </a:pPr>
+            <a:r>
+              <a:rPr/>
+              <a:t>the </a:t>
+            </a:r>
+            <a:r>
+              <a:rPr>
+                <a:hlinkClick r:id="rId2"/>
+              </a:rPr>
+              <a:t>ggplot2 cheatsheet</a:t>
+            </a:r>
+            <a:r>
+              <a:rPr/>
+              <a:t> is great!</a:t>
+            </a:r>
+          </a:p>
+          <a:p>
+            <a:pPr lvl="0" marL="0" indent="0">
+              <a:buNone/>
+            </a:pPr>
+            <a:r>
+              <a:rPr/>
+              <a:t>Another ggplot2 tutorial from Melanie Frazier at NCEAS</a:t>
+            </a:r>
+          </a:p>
+          <a:p>
+            <a:pPr lvl="0" marL="0" indent="0">
+              <a:buNone/>
+            </a:pPr>
+            <a:r>
+              <a:rPr>
+                <a:hlinkClick r:id="rId3"/>
+              </a:rPr>
+              <a:t>https://github.com/eco-data-science/VisualizingData/blob/master/ggplot2_intro.Rmd</a:t>
+            </a:r>
+          </a:p>
+          <a:p>
+            <a:pPr lvl="0" marL="0" indent="0">
+              <a:buNone/>
+            </a:pPr>
+            <a:r>
+              <a:rPr/>
+              <a:t>Hadley’s book</a:t>
+            </a:r>
+          </a:p>
+          <a:p>
+            <a:pPr lvl="0" marL="0" indent="0">
+              <a:buNone/>
+            </a:pPr>
+            <a:r>
+              <a:rPr>
+                <a:hlinkClick r:id="rId4"/>
+              </a:rPr>
+              <a:t>https://r4ds.had.co.nz/data-visualisation.html</a:t>
+            </a:r>
+          </a:p>
+          <a:p>
+            <a:pPr lvl="0" marL="0" indent="0">
+              <a:buNone/>
+            </a:pPr>
+            <a:r>
+              <a:rPr>
+                <a:hlinkClick r:id="rId5"/>
+              </a:rPr>
+              <a:t>https://towardsdatascience.com/murdering-a-legendary-data-story-what-can-we-learn-from-a-grammar-of-graphics-ad6ca42f5e30</a:t>
+            </a:r>
+          </a:p>
+          <a:p>
+            <a:pPr lvl="0" marL="0" indent="0">
+              <a:buNone/>
+            </a:pPr>
+            <a:r>
+              <a:rPr>
+                <a:hlinkClick r:id="rId6"/>
+              </a:rPr>
+              <a:t>https://cedricscherer.netlify.com/2019/08/05/a-ggplot2-tutorial-for-beautiful-plotting-in-r</a:t>
+            </a:r>
+          </a:p>
+          <a:p>
+            <a:pPr lvl="0" marL="0" indent="0">
+              <a:buNone/>
+            </a:pPr>
+            <a:r>
+              <a:rPr>
+                <a:hlinkClick r:id="rId7"/>
+              </a:rPr>
+              <a:t>https://socviz.co/index.html#preface</a:t>
             </a:r>
           </a:p>
         </p:txBody>
@@ -3772,6 +3947,363 @@
             <a:r>
               <a:rPr/>
               <a:t>Materials</a:t>
+            </a:r>
+          </a:p>
+        </p:txBody>
+      </p:sp>
+    </p:spTree>
+  </p:cSld>
+</p:sld>
+</file>
+
+<file path=ppt/slides/slide8.xml><?xml version="1.0" encoding="utf-8"?>
+<p:sld xmlns:a="http://schemas.openxmlformats.org/drawingml/2006/main" xmlns:r="http://schemas.openxmlformats.org/officeDocument/2006/relationships" xmlns:p="http://schemas.openxmlformats.org/presentationml/2006/main">
+  <p:cSld>
+    <p:spTree>
+      <p:nvGrpSpPr>
+        <p:cNvPr id="1" name=""/>
+        <p:cNvGrpSpPr/>
+        <p:nvPr/>
+      </p:nvGrpSpPr>
+      <p:grpSpPr>
+        <a:xfrm>
+          <a:off x="0" y="0"/>
+          <a:ext cx="0" cy="0"/>
+          <a:chOff x="0" y="0"/>
+          <a:chExt cx="0" cy="0"/>
+        </a:xfrm>
+      </p:grpSpPr>
+      <p:sp>
+        <p:nvSpPr>
+          <p:cNvPr id="2" name="Title 1"/>
+          <p:cNvSpPr>
+            <a:spLocks noGrp="1"/>
+          </p:cNvSpPr>
+          <p:nvPr>
+            <p:ph type="title"/>
+          </p:nvPr>
+        </p:nvSpPr>
+        <p:spPr/>
+        <p:txBody>
+          <a:bodyPr/>
+          <a:lstStyle/>
+          <a:p>
+            <a:pPr lvl="0" marL="0" indent="0">
+              <a:buNone/>
+            </a:pPr>
+            <a:r>
+              <a:rPr/>
+              <a:t>Suggested</a:t>
+            </a:r>
+            <a:r>
+              <a:rPr/>
+              <a:t> </a:t>
+            </a:r>
+            <a:r>
+              <a:rPr/>
+              <a:t>Topics</a:t>
+            </a:r>
+          </a:p>
+        </p:txBody>
+      </p:sp>
+      <p:sp>
+        <p:nvSpPr>
+          <p:cNvPr id="3" name="Content Placeholder 2"/>
+          <p:cNvSpPr>
+            <a:spLocks noGrp="1"/>
+          </p:cNvSpPr>
+          <p:nvPr>
+            <p:ph idx="1"/>
+          </p:nvPr>
+        </p:nvSpPr>
+        <p:spPr/>
+        <p:txBody>
+          <a:bodyPr/>
+          <a:lstStyle/>
+          <a:p>
+            <a:pPr lvl="1"/>
+            <a:r>
+              <a:rPr/>
+              <a:t>understanding the philosophy of the grammar of graphics</a:t>
+            </a:r>
+          </a:p>
+          <a:p>
+            <a:pPr lvl="2"/>
+            <a:r>
+              <a:rPr/>
+              <a:t>mapping data to aesthetics, displaying aesthetics with geometries</a:t>
+            </a:r>
+          </a:p>
+          <a:p>
+            <a:pPr lvl="1"/>
+            <a:r>
+              <a:rPr/>
+              <a:t>Messing with attributes of one geometry</a:t>
+            </a:r>
+          </a:p>
+          <a:p>
+            <a:pPr lvl="2"/>
+            <a:r>
+              <a:rPr/>
+              <a:t>what goes into </a:t>
+            </a:r>
+            <a:r>
+              <a:rPr sz="1800">
+                <a:latin typeface="Courier"/>
+              </a:rPr>
+              <a:t>aes</a:t>
+            </a:r>
+            <a:r>
+              <a:rPr/>
+              <a:t> and what goes outside</a:t>
+            </a:r>
+          </a:p>
+          <a:p>
+            <a:pPr lvl="2"/>
+            <a:r>
+              <a:rPr/>
+              <a:t>adding aes() inside </a:t>
+            </a:r>
+            <a:r>
+              <a:rPr sz="1800">
+                <a:latin typeface="Courier"/>
+              </a:rPr>
+              <a:t>ggplot</a:t>
+            </a:r>
+            <a:r>
+              <a:rPr/>
+              <a:t> call vs inside </a:t>
+            </a:r>
+            <a:r>
+              <a:rPr sz="1800">
+                <a:latin typeface="Courier"/>
+              </a:rPr>
+              <a:t>geom_XX</a:t>
+            </a:r>
+            <a:r>
+              <a:rPr/>
+              <a:t> call</a:t>
+            </a:r>
+          </a:p>
+          <a:p>
+            <a:pPr lvl="1"/>
+            <a:r>
+              <a:rPr/>
+              <a:t>Different geometries for different kinds of data</a:t>
+            </a:r>
+          </a:p>
+          <a:p>
+            <a:pPr lvl="2"/>
+            <a:r>
+              <a:rPr/>
+              <a:t>discrete vs. continuous etc.</a:t>
+            </a:r>
+          </a:p>
+          <a:p>
+            <a:pPr lvl="1"/>
+            <a:r>
+              <a:rPr/>
+              <a:t>Themes!</a:t>
+            </a:r>
+          </a:p>
+          <a:p>
+            <a:pPr lvl="2"/>
+            <a:r>
+              <a:rPr/>
+              <a:t>basic structure of </a:t>
+            </a:r>
+            <a:r>
+              <a:rPr sz="1800">
+                <a:latin typeface="Courier"/>
+              </a:rPr>
+              <a:t>theme</a:t>
+            </a:r>
+            <a:r>
+              <a:rPr/>
+              <a:t> argument (e.g. element_text, element_rect, etc.)</a:t>
+            </a:r>
+          </a:p>
+          <a:p>
+            <a:pPr lvl="2"/>
+            <a:r>
+              <a:rPr/>
+              <a:t>using themes customize appearance of plots</a:t>
+            </a:r>
+          </a:p>
+          <a:p>
+            <a:pPr lvl="2"/>
+            <a:r>
+              <a:rPr/>
+              <a:t>change fonts, colors, sizes, etc.</a:t>
+            </a:r>
+          </a:p>
+        </p:txBody>
+      </p:sp>
+    </p:spTree>
+  </p:cSld>
+</p:sld>
+</file>
+
+<file path=ppt/slides/slide9.xml><?xml version="1.0" encoding="utf-8"?>
+<p:sld xmlns:a="http://schemas.openxmlformats.org/drawingml/2006/main" xmlns:r="http://schemas.openxmlformats.org/officeDocument/2006/relationships" xmlns:p="http://schemas.openxmlformats.org/presentationml/2006/main">
+  <p:cSld>
+    <p:spTree>
+      <p:nvGrpSpPr>
+        <p:cNvPr id="1" name=""/>
+        <p:cNvGrpSpPr/>
+        <p:nvPr/>
+      </p:nvGrpSpPr>
+      <p:grpSpPr>
+        <a:xfrm>
+          <a:off x="0" y="0"/>
+          <a:ext cx="0" cy="0"/>
+          <a:chOff x="0" y="0"/>
+          <a:chExt cx="0" cy="0"/>
+        </a:xfrm>
+      </p:grpSpPr>
+      <p:sp>
+        <p:nvSpPr>
+          <p:cNvPr id="2" name="Title 1"/>
+          <p:cNvSpPr>
+            <a:spLocks noGrp="1"/>
+          </p:cNvSpPr>
+          <p:nvPr>
+            <p:ph type="title"/>
+          </p:nvPr>
+        </p:nvSpPr>
+        <p:spPr/>
+        <p:txBody>
+          <a:bodyPr/>
+          <a:lstStyle/>
+          <a:p>
+            <a:pPr lvl="0" marL="0" indent="0">
+              <a:buNone/>
+            </a:pPr>
+            <a:r>
+              <a:rPr/>
+              <a:t>Suggested</a:t>
+            </a:r>
+            <a:r>
+              <a:rPr/>
+              <a:t> </a:t>
+            </a:r>
+            <a:r>
+              <a:rPr/>
+              <a:t>Topics</a:t>
+            </a:r>
+          </a:p>
+        </p:txBody>
+      </p:sp>
+      <p:sp>
+        <p:nvSpPr>
+          <p:cNvPr id="3" name="Content Placeholder 2"/>
+          <p:cNvSpPr>
+            <a:spLocks noGrp="1"/>
+          </p:cNvSpPr>
+          <p:nvPr>
+            <p:ph idx="1"/>
+          </p:nvPr>
+        </p:nvSpPr>
+        <p:spPr/>
+        <p:txBody>
+          <a:bodyPr/>
+          <a:lstStyle/>
+          <a:p>
+            <a:pPr lvl="1"/>
+            <a:r>
+              <a:rPr/>
+              <a:t>Faceting</a:t>
+            </a:r>
+          </a:p>
+          <a:p>
+            <a:pPr lvl="2"/>
+            <a:r>
+              <a:rPr/>
+              <a:t>facet_wrap vs facet_grid</a:t>
+            </a:r>
+          </a:p>
+          <a:p>
+            <a:pPr lvl="2"/>
+            <a:r>
+              <a:rPr/>
+              <a:t>customizing facets with grid</a:t>
+            </a:r>
+          </a:p>
+          <a:p>
+            <a:pPr lvl="1"/>
+            <a:r>
+              <a:rPr/>
+              <a:t>Layering multiple geometries /plots</a:t>
+            </a:r>
+          </a:p>
+          <a:p>
+            <a:pPr lvl="2"/>
+            <a:r>
+              <a:rPr/>
+              <a:t>discrete + continuous layers</a:t>
+            </a:r>
+          </a:p>
+          <a:p>
+            <a:pPr lvl="2"/>
+            <a:r>
+              <a:rPr/>
+              <a:t>controlling aesthetics across multiple layers</a:t>
+            </a:r>
+          </a:p>
+          <a:p>
+            <a:pPr lvl="2"/>
+            <a:r>
+              <a:rPr/>
+              <a:t>Multiple plots with patchwork/cowplot</a:t>
+            </a:r>
+          </a:p>
+          <a:p>
+            <a:pPr lvl="1"/>
+            <a:r>
+              <a:rPr/>
+              <a:t>Exporting ggplot objects</a:t>
+            </a:r>
+          </a:p>
+          <a:p>
+            <a:pPr lvl="2"/>
+            <a:r>
+              <a:rPr/>
+              <a:t>saving as .rds</a:t>
+            </a:r>
+          </a:p>
+          <a:p>
+            <a:pPr lvl="2"/>
+            <a:r>
+              <a:rPr/>
+              <a:t>explorting to pdf/png/tiff etc.</a:t>
+            </a:r>
+          </a:p>
+          <a:p>
+            <a:pPr lvl="1"/>
+            <a:r>
+              <a:rPr/>
+              <a:t>ggplot2 extensions</a:t>
+            </a:r>
+          </a:p>
+          <a:p>
+            <a:pPr lvl="2"/>
+            <a:r>
+              <a:rPr/>
+              <a:t>gganimate</a:t>
+            </a:r>
+          </a:p>
+          <a:p>
+            <a:pPr lvl="2"/>
+            <a:r>
+              <a:rPr/>
+              <a:t>ggplotly</a:t>
+            </a:r>
+          </a:p>
+          <a:p>
+            <a:pPr lvl="2"/>
+            <a:r>
+              <a:rPr/>
+              <a:t>the list goes one</a:t>
             </a:r>
           </a:p>
         </p:txBody>
